--- a/AutomacaoComScripts/Aula02-ShellScript/02-ShellScript.pptx
+++ b/AutomacaoComScripts/Aula02-ShellScript/02-ShellScript.pptx
@@ -270,7 +270,7 @@
               <a:pPr>
                 <a:defRPr/>
               </a:pPr>
-              <a:t>09/02/2017</a:t>
+              <a:t>12/02/2018</a:t>
             </a:fld>
             <a:endParaRPr lang="pt-BR"/>
           </a:p>
@@ -912,7 +912,7 @@
               <a:pPr>
                 <a:defRPr/>
               </a:pPr>
-              <a:t>09/02/2017</a:t>
+              <a:t>12/02/2018</a:t>
             </a:fld>
             <a:endParaRPr lang="pt-BR"/>
           </a:p>
@@ -1282,7 +1282,7 @@
               <a:pPr>
                 <a:defRPr/>
               </a:pPr>
-              <a:t>09/02/2017</a:t>
+              <a:t>12/02/2018</a:t>
             </a:fld>
             <a:endParaRPr lang="pt-BR"/>
           </a:p>
@@ -1484,7 +1484,7 @@
               <a:pPr>
                 <a:defRPr/>
               </a:pPr>
-              <a:t>09/02/2017</a:t>
+              <a:t>12/02/2018</a:t>
             </a:fld>
             <a:endParaRPr lang="pt-BR"/>
           </a:p>
@@ -1748,7 +1748,7 @@
               <a:pPr>
                 <a:defRPr/>
               </a:pPr>
-              <a:t>09/02/2017</a:t>
+              <a:t>12/02/2018</a:t>
             </a:fld>
             <a:endParaRPr lang="pt-BR"/>
           </a:p>
@@ -1940,7 +1940,7 @@
               <a:pPr>
                 <a:defRPr/>
               </a:pPr>
-              <a:t>09/02/2017</a:t>
+              <a:t>12/02/2018</a:t>
             </a:fld>
             <a:endParaRPr lang="pt-BR"/>
           </a:p>
@@ -2208,7 +2208,7 @@
               <a:pPr>
                 <a:defRPr/>
               </a:pPr>
-              <a:t>09/02/2017</a:t>
+              <a:t>12/02/2018</a:t>
             </a:fld>
             <a:endParaRPr lang="pt-BR"/>
           </a:p>
@@ -2518,7 +2518,7 @@
               <a:pPr>
                 <a:defRPr/>
               </a:pPr>
-              <a:t>09/02/2017</a:t>
+              <a:t>12/02/2018</a:t>
             </a:fld>
             <a:endParaRPr lang="pt-BR"/>
           </a:p>
@@ -2962,7 +2962,7 @@
               <a:pPr>
                 <a:defRPr/>
               </a:pPr>
-              <a:t>09/02/2017</a:t>
+              <a:t>12/02/2018</a:t>
             </a:fld>
             <a:endParaRPr lang="pt-BR"/>
           </a:p>
@@ -3102,7 +3102,7 @@
               <a:pPr>
                 <a:defRPr/>
               </a:pPr>
-              <a:t>09/02/2017</a:t>
+              <a:t>12/02/2018</a:t>
             </a:fld>
             <a:endParaRPr lang="pt-BR"/>
           </a:p>
@@ -3219,7 +3219,7 @@
               <a:pPr>
                 <a:defRPr/>
               </a:pPr>
-              <a:t>09/02/2017</a:t>
+              <a:t>12/02/2018</a:t>
             </a:fld>
             <a:endParaRPr lang="pt-BR"/>
           </a:p>
@@ -3411,7 +3411,7 @@
               <a:pPr>
                 <a:defRPr/>
               </a:pPr>
-              <a:t>09/02/2017</a:t>
+              <a:t>12/02/2018</a:t>
             </a:fld>
             <a:endParaRPr lang="pt-BR"/>
           </a:p>
@@ -3710,7 +3710,7 @@
               <a:pPr>
                 <a:defRPr/>
               </a:pPr>
-              <a:t>09/02/2017</a:t>
+              <a:t>12/02/2018</a:t>
             </a:fld>
             <a:endParaRPr lang="pt-BR"/>
           </a:p>
@@ -3988,7 +3988,7 @@
               <a:pPr>
                 <a:defRPr/>
               </a:pPr>
-              <a:t>09/02/2017</a:t>
+              <a:t>12/02/2018</a:t>
             </a:fld>
             <a:endParaRPr lang="pt-BR"/>
           </a:p>
@@ -4180,7 +4180,7 @@
               <a:pPr>
                 <a:defRPr/>
               </a:pPr>
-              <a:t>09/02/2017</a:t>
+              <a:t>12/02/2018</a:t>
             </a:fld>
             <a:endParaRPr lang="pt-BR"/>
           </a:p>
@@ -4382,7 +4382,7 @@
               <a:pPr>
                 <a:defRPr/>
               </a:pPr>
-              <a:t>09/02/2017</a:t>
+              <a:t>12/02/2018</a:t>
             </a:fld>
             <a:endParaRPr lang="pt-BR"/>
           </a:p>
@@ -4650,7 +4650,7 @@
               <a:pPr>
                 <a:defRPr/>
               </a:pPr>
-              <a:t>09/02/2017</a:t>
+              <a:t>12/02/2018</a:t>
             </a:fld>
             <a:endParaRPr lang="pt-BR"/>
           </a:p>
@@ -4960,7 +4960,7 @@
               <a:pPr>
                 <a:defRPr/>
               </a:pPr>
-              <a:t>09/02/2017</a:t>
+              <a:t>12/02/2018</a:t>
             </a:fld>
             <a:endParaRPr lang="pt-BR"/>
           </a:p>
@@ -5404,7 +5404,7 @@
               <a:pPr>
                 <a:defRPr/>
               </a:pPr>
-              <a:t>09/02/2017</a:t>
+              <a:t>12/02/2018</a:t>
             </a:fld>
             <a:endParaRPr lang="pt-BR"/>
           </a:p>
@@ -5544,7 +5544,7 @@
               <a:pPr>
                 <a:defRPr/>
               </a:pPr>
-              <a:t>09/02/2017</a:t>
+              <a:t>12/02/2018</a:t>
             </a:fld>
             <a:endParaRPr lang="pt-BR"/>
           </a:p>
@@ -5661,7 +5661,7 @@
               <a:pPr>
                 <a:defRPr/>
               </a:pPr>
-              <a:t>09/02/2017</a:t>
+              <a:t>12/02/2018</a:t>
             </a:fld>
             <a:endParaRPr lang="pt-BR"/>
           </a:p>
@@ -5960,7 +5960,7 @@
               <a:pPr>
                 <a:defRPr/>
               </a:pPr>
-              <a:t>09/02/2017</a:t>
+              <a:t>12/02/2018</a:t>
             </a:fld>
             <a:endParaRPr lang="pt-BR"/>
           </a:p>
@@ -6267,7 +6267,7 @@
               <a:pPr>
                 <a:defRPr/>
               </a:pPr>
-              <a:t>09/02/2017</a:t>
+              <a:t>12/02/2018</a:t>
             </a:fld>
             <a:endParaRPr lang="pt-BR"/>
           </a:p>
@@ -6523,7 +6523,7 @@
               <a:pPr>
                 <a:defRPr/>
               </a:pPr>
-              <a:t>09/02/2017</a:t>
+              <a:t>12/02/2018</a:t>
             </a:fld>
             <a:endParaRPr lang="pt-BR"/>
           </a:p>
@@ -7272,7 +7272,7 @@
               <a:pPr>
                 <a:defRPr/>
               </a:pPr>
-              <a:t>09/02/2017</a:t>
+              <a:t>12/02/2018</a:t>
             </a:fld>
             <a:endParaRPr lang="pt-BR"/>
           </a:p>
@@ -7836,7 +7836,7 @@
                 <a:latin typeface="+mn-lt"/>
                 <a:cs typeface="Arial" pitchFamily="34" charset="0"/>
               </a:rPr>
-              <a:t>09</a:t>
+              <a:t>02</a:t>
             </a:r>
             <a:r>
               <a:rPr lang="pt-BR" sz="2200" b="1" dirty="0" smtClean="0">
@@ -7866,7 +7866,7 @@
                 <a:latin typeface="+mn-lt"/>
                 <a:cs typeface="Arial" pitchFamily="34" charset="0"/>
               </a:rPr>
-              <a:t>fevereiro </a:t>
+              <a:t>março </a:t>
             </a:r>
             <a:r>
               <a:rPr lang="pt-BR" sz="2200" b="1" dirty="0">
@@ -7886,7 +7886,7 @@
                 <a:latin typeface="+mn-lt"/>
                 <a:cs typeface="Arial" pitchFamily="34" charset="0"/>
               </a:rPr>
-              <a:t>2017</a:t>
+              <a:t>2018</a:t>
             </a:r>
             <a:endParaRPr lang="pt-BR" sz="2200" b="1" dirty="0">
               <a:solidFill>
@@ -8547,10 +8547,6 @@
               </a:rPr>
               <a:t>#!/bin/bash </a:t>
             </a:r>
-            <a:endParaRPr lang="pt-BR" dirty="0" smtClean="0">
-              <a:latin typeface="Courier New" pitchFamily="49" charset="0"/>
-              <a:cs typeface="Courier New" pitchFamily="49" charset="0"/>
-            </a:endParaRPr>
           </a:p>
           <a:p>
             <a:endParaRPr lang="pt-BR" dirty="0" smtClean="0">
@@ -8683,15 +8679,7 @@
           <a:p>
             <a:r>
               <a:rPr lang="pt-BR" sz="2800" dirty="0" smtClean="0"/>
-              <a:t>“O </a:t>
-            </a:r>
-            <a:r>
-              <a:rPr lang="pt-BR" sz="2800" dirty="0" smtClean="0"/>
-              <a:t>comando echo exibe na tela a string entre aspas </a:t>
-            </a:r>
-            <a:r>
-              <a:rPr lang="pt-BR" sz="2800" dirty="0" smtClean="0"/>
-              <a:t>duplas</a:t>
+              <a:t>“O comando echo exibe na tela a string entre aspas duplas</a:t>
             </a:r>
           </a:p>
           <a:p>
@@ -8709,11 +8697,7 @@
           <a:p>
             <a:r>
               <a:rPr lang="pt-BR" sz="2800" dirty="0" smtClean="0"/>
-              <a:t>O comando pwd exibe o diretório no qual o arquivo está </a:t>
-            </a:r>
-            <a:r>
-              <a:rPr lang="pt-BR" sz="2800" dirty="0" smtClean="0"/>
-              <a:t>rodando”</a:t>
+              <a:t>O comando pwd exibe o diretório no qual o arquivo está rodando”</a:t>
             </a:r>
             <a:endParaRPr lang="pt-BR" dirty="0"/>
           </a:p>
@@ -8801,7 +8785,6 @@
               <a:rPr lang="pt-BR" dirty="0" smtClean="0"/>
               <a:t>Veja mais sobre permissões em:</a:t>
             </a:r>
-            <a:endParaRPr lang="pt-BR" dirty="0" smtClean="0"/>
           </a:p>
           <a:p>
             <a:pPr lvl="1"/>
@@ -8809,7 +8792,6 @@
               <a:rPr lang="pt-BR" dirty="0" smtClean="0"/>
               <a:t>http://www.thegeekstuff.com/2010/06/chmod-command-examples</a:t>
             </a:r>
-            <a:endParaRPr lang="pt-BR" dirty="0" smtClean="0"/>
           </a:p>
           <a:p>
             <a:endParaRPr lang="pt-BR" dirty="0"/>
@@ -8854,15 +8836,7 @@
             <a:pPr lvl="0" algn="ctr"/>
             <a:r>
               <a:rPr lang="pt-BR" sz="3200" b="1" dirty="0" smtClean="0"/>
-              <a:t>chmod </a:t>
-            </a:r>
-            <a:r>
-              <a:rPr lang="pt-BR" sz="3200" b="1" dirty="0" smtClean="0"/>
-              <a:t>777 </a:t>
-            </a:r>
-            <a:r>
-              <a:rPr lang="pt-BR" sz="3200" b="1" dirty="0" smtClean="0"/>
-              <a:t>exemplo1.sh</a:t>
+              <a:t>chmod 777 exemplo1.sh</a:t>
             </a:r>
             <a:endParaRPr lang="pt-BR" sz="3200" b="1" dirty="0"/>
           </a:p>
@@ -9048,15 +9022,7 @@
           <a:p>
             <a:r>
               <a:rPr lang="pt-BR" dirty="0" smtClean="0"/>
-              <a:t>“</a:t>
-            </a:r>
-            <a:r>
-              <a:rPr lang="pt-BR" dirty="0" smtClean="0"/>
-              <a:t>Uma variável é um label (nome) que armazena um valor para ser utilizado posteriormente no código</a:t>
-            </a:r>
-            <a:r>
-              <a:rPr lang="pt-BR" dirty="0" smtClean="0"/>
-              <a:t>”</a:t>
+              <a:t>“Uma variável é um label (nome) que armazena um valor para ser utilizado posteriormente no código”</a:t>
             </a:r>
           </a:p>
           <a:p>
@@ -9064,7 +9030,6 @@
               <a:rPr lang="pt-BR" dirty="0" smtClean="0"/>
               <a:t>Sintaxe:</a:t>
             </a:r>
-            <a:endParaRPr lang="pt-BR" dirty="0" smtClean="0"/>
           </a:p>
           <a:p>
             <a:pPr lvl="1">
@@ -9210,14 +9175,7 @@
                 <a:latin typeface="Courier New" pitchFamily="49" charset="0"/>
                 <a:cs typeface="Courier New" pitchFamily="49" charset="0"/>
               </a:rPr>
-              <a:t>#!/</a:t>
-            </a:r>
-            <a:r>
-              <a:rPr lang="pt-BR" sz="2000" dirty="0" smtClean="0">
-                <a:latin typeface="Courier New" pitchFamily="49" charset="0"/>
-                <a:cs typeface="Courier New" pitchFamily="49" charset="0"/>
-              </a:rPr>
-              <a:t>bin/bash</a:t>
+              <a:t>#!/bin/bash</a:t>
             </a:r>
           </a:p>
           <a:p>
@@ -9228,10 +9186,6 @@
               </a:rPr>
               <a:t> </a:t>
             </a:r>
-            <a:endParaRPr lang="pt-BR" sz="2000" dirty="0" smtClean="0">
-              <a:latin typeface="Courier New" pitchFamily="49" charset="0"/>
-              <a:cs typeface="Courier New" pitchFamily="49" charset="0"/>
-            </a:endParaRPr>
           </a:p>
           <a:p>
             <a:r>
@@ -9266,21 +9220,7 @@
                 <a:latin typeface="Courier New" pitchFamily="49" charset="0"/>
                 <a:cs typeface="Courier New" pitchFamily="49" charset="0"/>
               </a:rPr>
-              <a:t>echo </a:t>
-            </a:r>
-            <a:r>
-              <a:rPr lang="pt-BR" sz="2000" dirty="0" smtClean="0">
-                <a:latin typeface="Courier New" pitchFamily="49" charset="0"/>
-                <a:cs typeface="Courier New" pitchFamily="49" charset="0"/>
-              </a:rPr>
-              <a:t>“Entre no site: </a:t>
-            </a:r>
-            <a:r>
-              <a:rPr lang="pt-BR" sz="2000" dirty="0" smtClean="0">
-                <a:latin typeface="Courier New" pitchFamily="49" charset="0"/>
-                <a:cs typeface="Courier New" pitchFamily="49" charset="0"/>
-              </a:rPr>
-              <a:t>$site” </a:t>
+              <a:t>echo “Entre no site: $site” </a:t>
             </a:r>
           </a:p>
           <a:p>
@@ -9380,7 +9320,6 @@
               <a:rPr lang="pt-BR" dirty="0" smtClean="0"/>
               <a:t>Crie e execute o código a seguir: </a:t>
             </a:r>
-            <a:endParaRPr lang="pt-BR" dirty="0" smtClean="0"/>
           </a:p>
         </p:txBody>
       </p:sp>
@@ -10606,11 +10545,7 @@
             <a:pPr lvl="1"/>
             <a:r>
               <a:rPr lang="pt-BR" dirty="0" smtClean="0"/>
-              <a:t>Do contrário, imprima tela “Diferente de 1</a:t>
-            </a:r>
-            <a:r>
-              <a:rPr lang="pt-BR" dirty="0" smtClean="0"/>
-              <a:t>!”</a:t>
+              <a:t>Do contrário, imprima tela “Diferente de 1!”</a:t>
             </a:r>
           </a:p>
           <a:p>
@@ -10714,7 +10649,13 @@
               <a:rPr lang="pt-BR" sz="1600" dirty="0" smtClean="0">
                 <a:hlinkClick r:id="rId2"/>
               </a:rPr>
-              <a:t>http://www.devmedia.com.br/introducao-ao-shell-script-no-linux/25778</a:t>
+              <a:t>https://</a:t>
+            </a:r>
+            <a:r>
+              <a:rPr lang="pt-BR" sz="1600" dirty="0" smtClean="0">
+                <a:hlinkClick r:id="rId2"/>
+              </a:rPr>
+              <a:t>www.devmedia.com.br/introducao-ao-shell-script-no-linux/25778</a:t>
             </a:r>
             <a:endParaRPr lang="pt-BR" sz="1600" dirty="0" smtClean="0"/>
           </a:p>
@@ -11737,64 +11678,32 @@
           <a:p>
             <a:r>
               <a:rPr lang="pt-BR" dirty="0" smtClean="0"/>
-              <a:t>Abra o </a:t>
-            </a:r>
+              <a:t>Abra o gedit para criar um novo script</a:t>
+            </a:r>
+          </a:p>
+          <a:p>
             <a:r>
               <a:rPr lang="pt-BR" dirty="0" smtClean="0"/>
-              <a:t>gedit para criar um novo script</a:t>
-            </a:r>
+              <a:t>Todo script bash tem que começar com </a:t>
+            </a:r>
+          </a:p>
+          <a:p>
+            <a:endParaRPr lang="pt-BR" dirty="0" smtClean="0"/>
+          </a:p>
+          <a:p>
+            <a:endParaRPr lang="pt-BR" dirty="0" smtClean="0"/>
           </a:p>
           <a:p>
             <a:r>
               <a:rPr lang="pt-BR" dirty="0" smtClean="0"/>
-              <a:t>Todo script bash tem que começar com</a:t>
-            </a:r>
+              <a:t>“A primeira linha de um shell script define qual o interpretador de comandos será utilizado”</a:t>
+            </a:r>
+          </a:p>
+          <a:p>
+            <a:pPr lvl="1"/>
             <a:r>
               <a:rPr lang="pt-BR" dirty="0" smtClean="0"/>
-              <a:t> </a:t>
-            </a:r>
-          </a:p>
-          <a:p>
-            <a:endParaRPr lang="pt-BR" dirty="0" smtClean="0"/>
-          </a:p>
-          <a:p>
-            <a:endParaRPr lang="pt-BR" dirty="0" smtClean="0"/>
-          </a:p>
-          <a:p>
-            <a:r>
-              <a:rPr lang="pt-BR" dirty="0" smtClean="0"/>
-              <a:t>“A </a:t>
-            </a:r>
-            <a:r>
-              <a:rPr lang="pt-BR" dirty="0" smtClean="0"/>
-              <a:t>primeira linha de um shell script define qual o interpretador de comandos será </a:t>
-            </a:r>
-            <a:r>
-              <a:rPr lang="pt-BR" dirty="0" smtClean="0"/>
-              <a:t>utilizado”</a:t>
-            </a:r>
-          </a:p>
-          <a:p>
-            <a:pPr lvl="1"/>
-            <a:r>
-              <a:rPr lang="pt-BR" dirty="0" smtClean="0"/>
-              <a:t>O bash é o </a:t>
-            </a:r>
-            <a:r>
-              <a:rPr lang="pt-BR" dirty="0" smtClean="0"/>
-              <a:t>mais </a:t>
-            </a:r>
-            <a:r>
-              <a:rPr lang="pt-BR" dirty="0" smtClean="0"/>
-              <a:t>conhecido, mas </a:t>
-            </a:r>
-            <a:r>
-              <a:rPr lang="pt-BR" dirty="0" smtClean="0"/>
-              <a:t>não é o único tipo de shell </a:t>
-            </a:r>
-            <a:r>
-              <a:rPr lang="pt-BR" dirty="0" smtClean="0"/>
-              <a:t>disponível</a:t>
+              <a:t>O bash é o mais conhecido, mas não é o único tipo de shell disponível</a:t>
             </a:r>
           </a:p>
           <a:p>
